--- a/圖片.pptx
+++ b/圖片.pptx
@@ -7,7 +7,9 @@
   <p:sldIdLst>
     <p:sldId id="256" r:id="rId2"/>
     <p:sldId id="257" r:id="rId3"/>
-    <p:sldId id="258" r:id="rId4"/>
+    <p:sldId id="259" r:id="rId4"/>
+    <p:sldId id="258" r:id="rId5"/>
+    <p:sldId id="260" r:id="rId6"/>
   </p:sldIdLst>
   <p:sldSz cx="12192000" cy="6858000"/>
   <p:notesSz cx="6858000" cy="9144000"/>
@@ -261,7 +263,7 @@
           <a:p>
             <a:fld id="{80A75B34-1091-4978-8AA5-67BA3CBBBD27}" type="datetimeFigureOut">
               <a:rPr lang="zh-TW" altLang="en-US" smtClean="0"/>
-              <a:t>2021/4/17</a:t>
+              <a:t>2021/5/4</a:t>
             </a:fld>
             <a:endParaRPr lang="zh-TW" altLang="en-US"/>
           </a:p>
@@ -459,7 +461,7 @@
           <a:p>
             <a:fld id="{80A75B34-1091-4978-8AA5-67BA3CBBBD27}" type="datetimeFigureOut">
               <a:rPr lang="zh-TW" altLang="en-US" smtClean="0"/>
-              <a:t>2021/4/17</a:t>
+              <a:t>2021/5/4</a:t>
             </a:fld>
             <a:endParaRPr lang="zh-TW" altLang="en-US"/>
           </a:p>
@@ -667,7 +669,7 @@
           <a:p>
             <a:fld id="{80A75B34-1091-4978-8AA5-67BA3CBBBD27}" type="datetimeFigureOut">
               <a:rPr lang="zh-TW" altLang="en-US" smtClean="0"/>
-              <a:t>2021/4/17</a:t>
+              <a:t>2021/5/4</a:t>
             </a:fld>
             <a:endParaRPr lang="zh-TW" altLang="en-US"/>
           </a:p>
@@ -865,7 +867,7 @@
           <a:p>
             <a:fld id="{80A75B34-1091-4978-8AA5-67BA3CBBBD27}" type="datetimeFigureOut">
               <a:rPr lang="zh-TW" altLang="en-US" smtClean="0"/>
-              <a:t>2021/4/17</a:t>
+              <a:t>2021/5/4</a:t>
             </a:fld>
             <a:endParaRPr lang="zh-TW" altLang="en-US"/>
           </a:p>
@@ -1140,7 +1142,7 @@
           <a:p>
             <a:fld id="{80A75B34-1091-4978-8AA5-67BA3CBBBD27}" type="datetimeFigureOut">
               <a:rPr lang="zh-TW" altLang="en-US" smtClean="0"/>
-              <a:t>2021/4/17</a:t>
+              <a:t>2021/5/4</a:t>
             </a:fld>
             <a:endParaRPr lang="zh-TW" altLang="en-US"/>
           </a:p>
@@ -1405,7 +1407,7 @@
           <a:p>
             <a:fld id="{80A75B34-1091-4978-8AA5-67BA3CBBBD27}" type="datetimeFigureOut">
               <a:rPr lang="zh-TW" altLang="en-US" smtClean="0"/>
-              <a:t>2021/4/17</a:t>
+              <a:t>2021/5/4</a:t>
             </a:fld>
             <a:endParaRPr lang="zh-TW" altLang="en-US"/>
           </a:p>
@@ -1817,7 +1819,7 @@
           <a:p>
             <a:fld id="{80A75B34-1091-4978-8AA5-67BA3CBBBD27}" type="datetimeFigureOut">
               <a:rPr lang="zh-TW" altLang="en-US" smtClean="0"/>
-              <a:t>2021/4/17</a:t>
+              <a:t>2021/5/4</a:t>
             </a:fld>
             <a:endParaRPr lang="zh-TW" altLang="en-US"/>
           </a:p>
@@ -1958,7 +1960,7 @@
           <a:p>
             <a:fld id="{80A75B34-1091-4978-8AA5-67BA3CBBBD27}" type="datetimeFigureOut">
               <a:rPr lang="zh-TW" altLang="en-US" smtClean="0"/>
-              <a:t>2021/4/17</a:t>
+              <a:t>2021/5/4</a:t>
             </a:fld>
             <a:endParaRPr lang="zh-TW" altLang="en-US"/>
           </a:p>
@@ -2071,7 +2073,7 @@
           <a:p>
             <a:fld id="{80A75B34-1091-4978-8AA5-67BA3CBBBD27}" type="datetimeFigureOut">
               <a:rPr lang="zh-TW" altLang="en-US" smtClean="0"/>
-              <a:t>2021/4/17</a:t>
+              <a:t>2021/5/4</a:t>
             </a:fld>
             <a:endParaRPr lang="zh-TW" altLang="en-US"/>
           </a:p>
@@ -2382,7 +2384,7 @@
           <a:p>
             <a:fld id="{80A75B34-1091-4978-8AA5-67BA3CBBBD27}" type="datetimeFigureOut">
               <a:rPr lang="zh-TW" altLang="en-US" smtClean="0"/>
-              <a:t>2021/4/17</a:t>
+              <a:t>2021/5/4</a:t>
             </a:fld>
             <a:endParaRPr lang="zh-TW" altLang="en-US"/>
           </a:p>
@@ -2670,7 +2672,7 @@
           <a:p>
             <a:fld id="{80A75B34-1091-4978-8AA5-67BA3CBBBD27}" type="datetimeFigureOut">
               <a:rPr lang="zh-TW" altLang="en-US" smtClean="0"/>
-              <a:t>2021/4/17</a:t>
+              <a:t>2021/5/4</a:t>
             </a:fld>
             <a:endParaRPr lang="zh-TW" altLang="en-US"/>
           </a:p>
@@ -2911,7 +2913,7 @@
           <a:p>
             <a:fld id="{80A75B34-1091-4978-8AA5-67BA3CBBBD27}" type="datetimeFigureOut">
               <a:rPr lang="zh-TW" altLang="en-US" smtClean="0"/>
-              <a:t>2021/4/17</a:t>
+              <a:t>2021/5/4</a:t>
             </a:fld>
             <a:endParaRPr lang="zh-TW" altLang="en-US"/>
           </a:p>
@@ -3515,7 +3517,7 @@
           <p:cNvPr id="5" name="圖片 4">
             <a:extLst>
               <a:ext uri="{FF2B5EF4-FFF2-40B4-BE49-F238E27FC236}">
-                <a16:creationId xmlns:a16="http://schemas.microsoft.com/office/drawing/2014/main" id="{8A7FD734-D73A-40F5-B302-B238B1086392}"/>
+                <a16:creationId xmlns:a16="http://schemas.microsoft.com/office/drawing/2014/main" id="{7B3B2AC3-0744-4EB9-93F1-20892140842E}"/>
               </a:ext>
             </a:extLst>
           </p:cNvPr>
@@ -3526,13 +3528,72 @@
         </p:nvPicPr>
         <p:blipFill rotWithShape="1">
           <a:blip r:embed="rId2"/>
-          <a:srcRect l="1" t="11837" r="1045" b="4898"/>
+          <a:srcRect t="11489" r="984" b="4964"/>
           <a:stretch/>
         </p:blipFill>
         <p:spPr>
           <a:xfrm>
-            <a:off x="0" y="811763"/>
-            <a:ext cx="12064482" cy="5710336"/>
+            <a:off x="0" y="787940"/>
+            <a:ext cx="12072026" cy="5729592"/>
+          </a:xfrm>
+          <a:prstGeom prst="rect">
+            <a:avLst/>
+          </a:prstGeom>
+        </p:spPr>
+      </p:pic>
+    </p:spTree>
+    <p:extLst>
+      <p:ext uri="{BB962C8B-B14F-4D97-AF65-F5344CB8AC3E}">
+        <p14:creationId xmlns:p14="http://schemas.microsoft.com/office/powerpoint/2010/main" val="11934342"/>
+      </p:ext>
+    </p:extLst>
+  </p:cSld>
+  <p:clrMapOvr>
+    <a:masterClrMapping/>
+  </p:clrMapOvr>
+</p:sld>
+</file>
+
+<file path=ppt/slides/slide4.xml><?xml version="1.0" encoding="utf-8"?>
+<p:sld xmlns:a="http://schemas.openxmlformats.org/drawingml/2006/main" xmlns:r="http://schemas.openxmlformats.org/officeDocument/2006/relationships" xmlns:p="http://schemas.openxmlformats.org/presentationml/2006/main">
+  <p:cSld>
+    <p:spTree>
+      <p:nvGrpSpPr>
+        <p:cNvPr id="1" name=""/>
+        <p:cNvGrpSpPr/>
+        <p:nvPr/>
+      </p:nvGrpSpPr>
+      <p:grpSpPr>
+        <a:xfrm>
+          <a:off x="0" y="0"/>
+          <a:ext cx="0" cy="0"/>
+          <a:chOff x="0" y="0"/>
+          <a:chExt cx="0" cy="0"/>
+        </a:xfrm>
+      </p:grpSpPr>
+      <p:pic>
+        <p:nvPicPr>
+          <p:cNvPr id="4" name="圖片 3">
+            <a:extLst>
+              <a:ext uri="{FF2B5EF4-FFF2-40B4-BE49-F238E27FC236}">
+                <a16:creationId xmlns:a16="http://schemas.microsoft.com/office/drawing/2014/main" id="{045D7F7B-2901-45D1-9389-28E22DCE3481}"/>
+              </a:ext>
+            </a:extLst>
+          </p:cNvPr>
+          <p:cNvPicPr>
+            <a:picLocks noChangeAspect="1"/>
+          </p:cNvPicPr>
+          <p:nvPr/>
+        </p:nvPicPr>
+        <p:blipFill rotWithShape="1">
+          <a:blip r:embed="rId2"/>
+          <a:srcRect t="11837" r="984" b="4617"/>
+          <a:stretch/>
+        </p:blipFill>
+        <p:spPr>
+          <a:xfrm>
+            <a:off x="0" y="787940"/>
+            <a:ext cx="12072026" cy="5729592"/>
           </a:xfrm>
           <a:prstGeom prst="rect">
             <a:avLst/>
@@ -3543,6 +3604,65 @@
     <p:extLst>
       <p:ext uri="{BB962C8B-B14F-4D97-AF65-F5344CB8AC3E}">
         <p14:creationId xmlns:p14="http://schemas.microsoft.com/office/powerpoint/2010/main" val="2058991513"/>
+      </p:ext>
+    </p:extLst>
+  </p:cSld>
+  <p:clrMapOvr>
+    <a:masterClrMapping/>
+  </p:clrMapOvr>
+</p:sld>
+</file>
+
+<file path=ppt/slides/slide5.xml><?xml version="1.0" encoding="utf-8"?>
+<p:sld xmlns:a="http://schemas.openxmlformats.org/drawingml/2006/main" xmlns:r="http://schemas.openxmlformats.org/officeDocument/2006/relationships" xmlns:p="http://schemas.openxmlformats.org/presentationml/2006/main">
+  <p:cSld>
+    <p:spTree>
+      <p:nvGrpSpPr>
+        <p:cNvPr id="1" name=""/>
+        <p:cNvGrpSpPr/>
+        <p:nvPr/>
+      </p:nvGrpSpPr>
+      <p:grpSpPr>
+        <a:xfrm>
+          <a:off x="0" y="0"/>
+          <a:ext cx="0" cy="0"/>
+          <a:chOff x="0" y="0"/>
+          <a:chExt cx="0" cy="0"/>
+        </a:xfrm>
+      </p:grpSpPr>
+      <p:pic>
+        <p:nvPicPr>
+          <p:cNvPr id="7" name="圖片 6">
+            <a:extLst>
+              <a:ext uri="{FF2B5EF4-FFF2-40B4-BE49-F238E27FC236}">
+                <a16:creationId xmlns:a16="http://schemas.microsoft.com/office/drawing/2014/main" id="{8EE02289-5350-4514-A5CB-1EDF3C50E63F}"/>
+              </a:ext>
+            </a:extLst>
+          </p:cNvPr>
+          <p:cNvPicPr>
+            <a:picLocks noChangeAspect="1"/>
+          </p:cNvPicPr>
+          <p:nvPr/>
+        </p:nvPicPr>
+        <p:blipFill rotWithShape="1">
+          <a:blip r:embed="rId2"/>
+          <a:srcRect t="12057" r="984" b="4822"/>
+          <a:stretch/>
+        </p:blipFill>
+        <p:spPr>
+          <a:xfrm>
+            <a:off x="0" y="826851"/>
+            <a:ext cx="12072026" cy="5700410"/>
+          </a:xfrm>
+          <a:prstGeom prst="rect">
+            <a:avLst/>
+          </a:prstGeom>
+        </p:spPr>
+      </p:pic>
+    </p:spTree>
+    <p:extLst>
+      <p:ext uri="{BB962C8B-B14F-4D97-AF65-F5344CB8AC3E}">
+        <p14:creationId xmlns:p14="http://schemas.microsoft.com/office/powerpoint/2010/main" val="2999946725"/>
       </p:ext>
     </p:extLst>
   </p:cSld>

--- a/圖片.pptx
+++ b/圖片.pptx
@@ -9,7 +9,8 @@
     <p:sldId id="257" r:id="rId3"/>
     <p:sldId id="259" r:id="rId4"/>
     <p:sldId id="258" r:id="rId5"/>
-    <p:sldId id="260" r:id="rId6"/>
+    <p:sldId id="261" r:id="rId6"/>
+    <p:sldId id="260" r:id="rId7"/>
   </p:sldIdLst>
   <p:sldSz cx="12192000" cy="6858000"/>
   <p:notesSz cx="6858000" cy="9144000"/>
@@ -3614,6 +3615,36 @@
 </file>
 
 <file path=ppt/slides/slide5.xml><?xml version="1.0" encoding="utf-8"?>
+<p:sld xmlns:a="http://schemas.openxmlformats.org/drawingml/2006/main" xmlns:r="http://schemas.openxmlformats.org/officeDocument/2006/relationships" xmlns:p="http://schemas.openxmlformats.org/presentationml/2006/main">
+  <p:cSld>
+    <p:spTree>
+      <p:nvGrpSpPr>
+        <p:cNvPr id="1" name=""/>
+        <p:cNvGrpSpPr/>
+        <p:nvPr/>
+      </p:nvGrpSpPr>
+      <p:grpSpPr>
+        <a:xfrm>
+          <a:off x="0" y="0"/>
+          <a:ext cx="0" cy="0"/>
+          <a:chOff x="0" y="0"/>
+          <a:chExt cx="0" cy="0"/>
+        </a:xfrm>
+      </p:grpSpPr>
+    </p:spTree>
+    <p:extLst>
+      <p:ext uri="{BB962C8B-B14F-4D97-AF65-F5344CB8AC3E}">
+        <p14:creationId xmlns:p14="http://schemas.microsoft.com/office/powerpoint/2010/main" val="4161454135"/>
+      </p:ext>
+    </p:extLst>
+  </p:cSld>
+  <p:clrMapOvr>
+    <a:masterClrMapping/>
+  </p:clrMapOvr>
+</p:sld>
+</file>
+
+<file path=ppt/slides/slide6.xml><?xml version="1.0" encoding="utf-8"?>
 <p:sld xmlns:a="http://schemas.openxmlformats.org/drawingml/2006/main" xmlns:r="http://schemas.openxmlformats.org/officeDocument/2006/relationships" xmlns:p="http://schemas.openxmlformats.org/presentationml/2006/main">
   <p:cSld>
     <p:spTree>
